--- a/FILE/Disertación_Tesis_1.pptx
+++ b/FILE/Disertación_Tesis_1.pptx
@@ -200,7 +200,7 @@
           <a:p>
             <a:fld id="{E9B2336A-B697-47DE-BAE7-B06D98964B09}" type="datetimeFigureOut">
               <a:rPr lang="es-PE" smtClean="0"/>
-              <a:t>29/04/2025</a:t>
+              <a:t>1/05/2025</a:t>
             </a:fld>
             <a:endParaRPr lang="es-PE"/>
           </a:p>
@@ -617,7 +617,7 @@
           <a:p>
             <a:fld id="{9BA2B5A0-3F89-4493-9982-7969016745C5}" type="datetime1">
               <a:rPr lang="es-PE" smtClean="0"/>
-              <a:t>29/04/2025</a:t>
+              <a:t>1/05/2025</a:t>
             </a:fld>
             <a:endParaRPr lang="es-PE" dirty="0"/>
           </a:p>
@@ -821,7 +821,7 @@
           <a:p>
             <a:fld id="{E35CE63C-5BA6-4B5E-9B44-76BE67C44B0F}" type="datetime1">
               <a:rPr lang="es-PE" smtClean="0"/>
-              <a:t>29/04/2025</a:t>
+              <a:t>1/05/2025</a:t>
             </a:fld>
             <a:endParaRPr lang="es-PE" dirty="0"/>
           </a:p>
@@ -1035,7 +1035,7 @@
           <a:p>
             <a:fld id="{4A04A6D2-2B49-4590-84E1-8BDCAF3B437A}" type="datetime1">
               <a:rPr lang="es-PE" smtClean="0"/>
-              <a:t>29/04/2025</a:t>
+              <a:t>1/05/2025</a:t>
             </a:fld>
             <a:endParaRPr lang="es-PE" dirty="0"/>
           </a:p>
@@ -1239,7 +1239,7 @@
           <a:p>
             <a:fld id="{FCA4CFD9-1DD0-4AB8-9CDF-6A5F5C7959C2}" type="datetime1">
               <a:rPr lang="es-PE" smtClean="0"/>
-              <a:t>29/04/2025</a:t>
+              <a:t>1/05/2025</a:t>
             </a:fld>
             <a:endParaRPr lang="es-PE" dirty="0"/>
           </a:p>
@@ -1519,7 +1519,7 @@
           <a:p>
             <a:fld id="{8B3B8F16-A6BD-4E91-B9B3-C77B54FC5129}" type="datetime1">
               <a:rPr lang="es-PE" smtClean="0"/>
-              <a:t>29/04/2025</a:t>
+              <a:t>1/05/2025</a:t>
             </a:fld>
             <a:endParaRPr lang="es-PE" dirty="0"/>
           </a:p>
@@ -1791,7 +1791,7 @@
           <a:p>
             <a:fld id="{42AACCF2-1E35-4F39-8EE0-3936528976F1}" type="datetime1">
               <a:rPr lang="es-PE" smtClean="0"/>
-              <a:t>29/04/2025</a:t>
+              <a:t>1/05/2025</a:t>
             </a:fld>
             <a:endParaRPr lang="es-PE" dirty="0"/>
           </a:p>
@@ -2210,7 +2210,7 @@
           <a:p>
             <a:fld id="{6402744F-D552-41AA-B163-920BB6D99505}" type="datetime1">
               <a:rPr lang="es-PE" smtClean="0"/>
-              <a:t>29/04/2025</a:t>
+              <a:t>1/05/2025</a:t>
             </a:fld>
             <a:endParaRPr lang="es-PE" dirty="0"/>
           </a:p>
@@ -2356,7 +2356,7 @@
           <a:p>
             <a:fld id="{376EA9BA-96DB-42E3-91EA-C457DF522684}" type="datetime1">
               <a:rPr lang="es-PE" smtClean="0"/>
-              <a:t>29/04/2025</a:t>
+              <a:t>1/05/2025</a:t>
             </a:fld>
             <a:endParaRPr lang="es-PE" dirty="0"/>
           </a:p>
@@ -2473,7 +2473,7 @@
           <a:p>
             <a:fld id="{88EBD221-6DDE-477F-B759-04BC5B072B88}" type="datetime1">
               <a:rPr lang="es-PE" smtClean="0"/>
-              <a:t>29/04/2025</a:t>
+              <a:t>1/05/2025</a:t>
             </a:fld>
             <a:endParaRPr lang="es-PE" dirty="0"/>
           </a:p>
@@ -2790,7 +2790,7 @@
           <a:p>
             <a:fld id="{024F45DF-3B3F-4C36-9427-E96F7DE135D6}" type="datetime1">
               <a:rPr lang="es-PE" smtClean="0"/>
-              <a:t>29/04/2025</a:t>
+              <a:t>1/05/2025</a:t>
             </a:fld>
             <a:endParaRPr lang="es-PE" dirty="0"/>
           </a:p>
@@ -3083,7 +3083,7 @@
           <a:p>
             <a:fld id="{0AACC599-2CBD-4A2A-B5F2-070C711C44DE}" type="datetime1">
               <a:rPr lang="es-PE" smtClean="0"/>
-              <a:t>29/04/2025</a:t>
+              <a:t>1/05/2025</a:t>
             </a:fld>
             <a:endParaRPr lang="es-PE" dirty="0"/>
           </a:p>
@@ -3330,7 +3330,7 @@
           <a:p>
             <a:fld id="{95367591-BF26-45EA-B453-FB9E2C4CD4E1}" type="datetime1">
               <a:rPr lang="es-PE" smtClean="0"/>
-              <a:t>29/04/2025</a:t>
+              <a:t>1/05/2025</a:t>
             </a:fld>
             <a:endParaRPr lang="es-PE" dirty="0"/>
           </a:p>
@@ -4087,7 +4087,7 @@
                 <a:latin typeface="Times New Roman" panose="02020603050405020304" pitchFamily="18" charset="0"/>
                 <a:cs typeface="Times New Roman" panose="02020603050405020304" pitchFamily="18" charset="0"/>
               </a:rPr>
-              <a:t>29/04/2025</a:t>
+              <a:t>1/05/2025</a:t>
             </a:fld>
             <a:endParaRPr lang="es-PE" sz="1400" b="1" dirty="0">
               <a:solidFill>
@@ -4853,7 +4853,7 @@
                 <a:cs typeface="Times New Roman" panose="02020603050405020304" pitchFamily="18" charset="0"/>
               </a:rPr>
               <a:pPr/>
-              <a:t>29/04/2025</a:t>
+              <a:t>1/05/2025</a:t>
             </a:fld>
             <a:endParaRPr lang="es-PE" b="1" dirty="0">
               <a:solidFill>
@@ -4883,7 +4883,7 @@
         </p:nvSpPr>
         <p:spPr>
           <a:xfrm>
-            <a:off x="1936375" y="6562165"/>
+            <a:off x="2034987" y="6542998"/>
             <a:ext cx="7978589" cy="159310"/>
           </a:xfrm>
         </p:spPr>
@@ -4921,15 +4921,6 @@
                 </a:outerShdw>
               </a:effectLst>
               <a:latin typeface="Georgia" panose="02040502050405020303" pitchFamily="18" charset="0"/>
-            </a:endParaRPr>
-          </a:p>
-          <a:p>
-            <a:endParaRPr lang="es-PE" b="1" dirty="0">
-              <a:solidFill>
-                <a:schemeClr val="bg1"/>
-              </a:solidFill>
-              <a:latin typeface="Times New Roman" panose="02020603050405020304" pitchFamily="18" charset="0"/>
-              <a:cs typeface="Times New Roman" panose="02020603050405020304" pitchFamily="18" charset="0"/>
             </a:endParaRPr>
           </a:p>
         </p:txBody>
@@ -5282,54 +5273,8 @@
                 <a:latin typeface="Times New Roman" panose="02020603050405020304" pitchFamily="18" charset="0"/>
                 <a:cs typeface="Times New Roman" panose="02020603050405020304" pitchFamily="18" charset="0"/>
               </a:rPr>
-              <a:t>29/04/2025</a:t>
+              <a:t>1/05/2025</a:t>
             </a:fld>
-            <a:endParaRPr lang="es-PE" b="1" dirty="0">
-              <a:solidFill>
-                <a:schemeClr val="bg1"/>
-              </a:solidFill>
-              <a:latin typeface="Times New Roman" panose="02020603050405020304" pitchFamily="18" charset="0"/>
-              <a:cs typeface="Times New Roman" panose="02020603050405020304" pitchFamily="18" charset="0"/>
-            </a:endParaRPr>
-          </a:p>
-        </p:txBody>
-      </p:sp>
-      <p:sp>
-        <p:nvSpPr>
-          <p:cNvPr id="3" name="Marcador de pie de página 2">
-            <a:extLst>
-              <a:ext uri="{FF2B5EF4-FFF2-40B4-BE49-F238E27FC236}">
-                <a16:creationId xmlns:a16="http://schemas.microsoft.com/office/drawing/2014/main" id="{D24057BE-190A-9EE4-8A43-30C0AD997DAF}"/>
-              </a:ext>
-            </a:extLst>
-          </p:cNvPr>
-          <p:cNvSpPr>
-            <a:spLocks noGrp="1"/>
-          </p:cNvSpPr>
-          <p:nvPr>
-            <p:ph type="ftr" sz="quarter" idx="11"/>
-          </p:nvPr>
-        </p:nvSpPr>
-        <p:spPr>
-          <a:xfrm>
-            <a:off x="4124886" y="6320457"/>
-            <a:ext cx="4114800" cy="365125"/>
-          </a:xfrm>
-        </p:spPr>
-        <p:txBody>
-          <a:bodyPr/>
-          <a:lstStyle/>
-          <a:p>
-            <a:r>
-              <a:rPr lang="es-MX" b="1">
-                <a:solidFill>
-                  <a:schemeClr val="bg1"/>
-                </a:solidFill>
-                <a:latin typeface="Times New Roman" panose="02020603050405020304" pitchFamily="18" charset="0"/>
-                <a:cs typeface="Times New Roman" panose="02020603050405020304" pitchFamily="18" charset="0"/>
-              </a:rPr>
-              <a:t>Efecto de la luz en la germinación de trigo (Triticum aestivum L.): un enfoque experimental</a:t>
-            </a:r>
             <a:endParaRPr lang="es-PE" b="1" dirty="0">
               <a:solidFill>
                 <a:schemeClr val="bg1"/>
@@ -5559,27 +5504,7 @@
                 <a:latin typeface="Times New Roman" panose="02020603050405020304" pitchFamily="18" charset="0"/>
                 <a:cs typeface="Times New Roman" panose="02020603050405020304" pitchFamily="18" charset="0"/>
               </a:rPr>
-              <a:t>en una plantación de maíz mediante el uso de trampas </a:t>
-            </a:r>
-            <a:r>
-              <a:rPr lang="es-ES" dirty="0" err="1">
-                <a:solidFill>
-                  <a:srgbClr val="000000"/>
-                </a:solidFill>
-                <a:latin typeface="Times New Roman" panose="02020603050405020304" pitchFamily="18" charset="0"/>
-                <a:cs typeface="Times New Roman" panose="02020603050405020304" pitchFamily="18" charset="0"/>
-              </a:rPr>
-              <a:t>alimentadascon</a:t>
-            </a:r>
-            <a:r>
-              <a:rPr lang="es-ES" dirty="0">
-                <a:solidFill>
-                  <a:srgbClr val="000000"/>
-                </a:solidFill>
-                <a:latin typeface="Times New Roman" panose="02020603050405020304" pitchFamily="18" charset="0"/>
-                <a:cs typeface="Times New Roman" panose="02020603050405020304" pitchFamily="18" charset="0"/>
-              </a:rPr>
-              <a:t> luz fotovoltaica en combinación con feromona.</a:t>
+              <a:t>en una plantación de maíz mediante el uso de trampas alimentadas con luz fotovoltaica en combinación con feromona.</a:t>
             </a:r>
             <a:endParaRPr lang="es-ES" b="0" dirty="0">
               <a:effectLst/>
@@ -6403,6 +6328,135 @@
             <a:endParaRPr lang="es-ES" spc="-10" dirty="0">
               <a:latin typeface="Times New Roman" panose="02020603050405020304" pitchFamily="18" charset="0"/>
               <a:cs typeface="Times New Roman" panose="02020603050405020304" pitchFamily="18" charset="0"/>
+            </a:endParaRPr>
+          </a:p>
+        </p:txBody>
+      </p:sp>
+      <p:sp>
+        <p:nvSpPr>
+          <p:cNvPr id="4" name="Rectángulo 3">
+            <a:extLst>
+              <a:ext uri="{FF2B5EF4-FFF2-40B4-BE49-F238E27FC236}">
+                <a16:creationId xmlns:a16="http://schemas.microsoft.com/office/drawing/2014/main" id="{75FFCC41-8A9F-444F-B00E-6F624B97153D}"/>
+              </a:ext>
+            </a:extLst>
+          </p:cNvPr>
+          <p:cNvSpPr/>
+          <p:nvPr/>
+        </p:nvSpPr>
+        <p:spPr>
+          <a:xfrm>
+            <a:off x="2296086" y="6291666"/>
+            <a:ext cx="8954620" cy="276999"/>
+          </a:xfrm>
+          <a:prstGeom prst="rect">
+            <a:avLst/>
+          </a:prstGeom>
+        </p:spPr>
+        <p:txBody>
+          <a:bodyPr wrap="square">
+            <a:spAutoFit/>
+          </a:bodyPr>
+          <a:lstStyle/>
+          <a:p>
+            <a:r>
+              <a:rPr lang="es-ES" sz="1200" dirty="0">
+                <a:ln w="0"/>
+                <a:solidFill>
+                  <a:schemeClr val="bg1"/>
+                </a:solidFill>
+                <a:effectLst>
+                  <a:outerShdw blurRad="38100" dist="19050" dir="2700000" algn="tl" rotWithShape="0">
+                    <a:schemeClr val="dk1">
+                      <a:alpha val="40000"/>
+                    </a:schemeClr>
+                  </a:outerShdw>
+                </a:effectLst>
+                <a:latin typeface="Georgia" panose="02040502050405020303" pitchFamily="18" charset="0"/>
+              </a:rPr>
+              <a:t>Monitoreo de </a:t>
+            </a:r>
+            <a:r>
+              <a:rPr lang="es-ES" sz="1200" dirty="0" err="1">
+                <a:ln w="0"/>
+                <a:solidFill>
+                  <a:schemeClr val="bg1"/>
+                </a:solidFill>
+                <a:effectLst>
+                  <a:outerShdw blurRad="38100" dist="19050" dir="2700000" algn="tl" rotWithShape="0">
+                    <a:schemeClr val="dk1">
+                      <a:alpha val="40000"/>
+                    </a:schemeClr>
+                  </a:outerShdw>
+                </a:effectLst>
+                <a:latin typeface="Georgia" panose="02040502050405020303" pitchFamily="18" charset="0"/>
+              </a:rPr>
+              <a:t>Spodoptera</a:t>
+            </a:r>
+            <a:r>
+              <a:rPr lang="es-ES" sz="1200" dirty="0">
+                <a:ln w="0"/>
+                <a:solidFill>
+                  <a:schemeClr val="bg1"/>
+                </a:solidFill>
+                <a:effectLst>
+                  <a:outerShdw blurRad="38100" dist="19050" dir="2700000" algn="tl" rotWithShape="0">
+                    <a:schemeClr val="dk1">
+                      <a:alpha val="40000"/>
+                    </a:schemeClr>
+                  </a:outerShdw>
+                </a:effectLst>
+                <a:latin typeface="Georgia" panose="02040502050405020303" pitchFamily="18" charset="0"/>
+              </a:rPr>
+              <a:t> </a:t>
+            </a:r>
+            <a:r>
+              <a:rPr lang="es-ES" sz="1200" dirty="0" err="1">
+                <a:ln w="0"/>
+                <a:solidFill>
+                  <a:schemeClr val="bg1"/>
+                </a:solidFill>
+                <a:effectLst>
+                  <a:outerShdw blurRad="38100" dist="19050" dir="2700000" algn="tl" rotWithShape="0">
+                    <a:schemeClr val="dk1">
+                      <a:alpha val="40000"/>
+                    </a:schemeClr>
+                  </a:outerShdw>
+                </a:effectLst>
+                <a:latin typeface="Georgia" panose="02040502050405020303" pitchFamily="18" charset="0"/>
+              </a:rPr>
+              <a:t>spp</a:t>
+            </a:r>
+            <a:r>
+              <a:rPr lang="es-ES" sz="1200" dirty="0">
+                <a:ln w="0"/>
+                <a:solidFill>
+                  <a:schemeClr val="bg1"/>
+                </a:solidFill>
+                <a:effectLst>
+                  <a:outerShdw blurRad="38100" dist="19050" dir="2700000" algn="tl" rotWithShape="0">
+                    <a:schemeClr val="dk1">
+                      <a:alpha val="40000"/>
+                    </a:schemeClr>
+                  </a:outerShdw>
+                </a:effectLst>
+                <a:latin typeface="Georgia" panose="02040502050405020303" pitchFamily="18" charset="0"/>
+              </a:rPr>
+              <a:t>. en maíz con trampas caseras, luz fotovoltaica y atrayentes en Chachapoyas, Amazonas.</a:t>
+            </a:r>
+            <a:endParaRPr lang="es-PE" sz="1200" dirty="0">
+              <a:ln w="0"/>
+              <a:solidFill>
+                <a:schemeClr val="bg1"/>
+              </a:solidFill>
+              <a:effectLst>
+                <a:outerShdw blurRad="38100" dist="19050" dir="2700000" algn="tl" rotWithShape="0">
+                  <a:schemeClr val="dk1">
+                    <a:alpha val="40000"/>
+                  </a:schemeClr>
+                </a:outerShdw>
+              </a:effectLst>
+              <a:latin typeface="Georgia" panose="02040502050405020303" pitchFamily="18" charset="0"/>
             </a:endParaRPr>
           </a:p>
         </p:txBody>
@@ -6460,7 +6514,7 @@
           <a:p>
             <a:fld id="{91040227-7BB2-49D8-91E6-652400A400A2}" type="datetime1">
               <a:rPr lang="es-PE" smtClean="0"/>
-              <a:t>29/04/2025</a:t>
+              <a:t>1/05/2025</a:t>
             </a:fld>
             <a:endParaRPr lang="es-PE"/>
           </a:p>
